--- a/Clase_5_2_08_2016/Clase5.pptx
+++ b/Clase_5_2_08_2016/Clase5.pptx
@@ -218,7 +218,7 @@
   </p:defaultTextStyle>
   <p:extLst>
     <p:ext uri="{EFAFB233-063F-42B5-8137-9DF3F51BA10A}">
-      <p15:sldGuideLst xmlns:p15="http://schemas.microsoft.com/office/powerpoint/2012/main">
+      <p15:sldGuideLst xmlns:p15="http://schemas.microsoft.com/office/powerpoint/2012/main" xmlns="">
         <p15:guide id="1" orient="horz" pos="1620">
           <p15:clr>
             <a:srgbClr val="A4A3A4"/>
@@ -1041,7 +1041,7 @@
             </a:pPr>
             <a:fld id="{00000000-1234-1234-1234-123412341234}" type="slidenum">
               <a:rPr lang="en"/>
-              <a:t>‹#›</a:t>
+              <a:t>‹Nr.›</a:t>
             </a:fld>
             <a:endParaRPr lang="en"/>
           </a:p>
@@ -1278,7 +1278,7 @@
             </a:pPr>
             <a:fld id="{00000000-1234-1234-1234-123412341234}" type="slidenum">
               <a:rPr lang="en"/>
-              <a:t>‹#›</a:t>
+              <a:t>‹Nr.›</a:t>
             </a:fld>
             <a:endParaRPr lang="en"/>
           </a:p>
@@ -1342,7 +1342,7 @@
             </a:pPr>
             <a:fld id="{00000000-1234-1234-1234-123412341234}" type="slidenum">
               <a:rPr lang="en"/>
-              <a:t>‹#›</a:t>
+              <a:t>‹Nr.›</a:t>
             </a:fld>
             <a:endParaRPr lang="en"/>
           </a:p>
@@ -2272,7 +2272,7 @@
                   <a:schemeClr val="lt1"/>
                 </a:solidFill>
               </a:rPr>
-              <a:t>‹#›</a:t>
+              <a:t>‹Nr.›</a:t>
             </a:fld>
             <a:endParaRPr lang="en">
               <a:solidFill>
@@ -2422,7 +2422,7 @@
             </a:pPr>
             <a:fld id="{00000000-1234-1234-1234-123412341234}" type="slidenum">
               <a:rPr lang="en"/>
-              <a:t>‹#›</a:t>
+              <a:t>‹Nr.›</a:t>
             </a:fld>
             <a:endParaRPr lang="en"/>
           </a:p>
@@ -2832,7 +2832,7 @@
             </a:pPr>
             <a:fld id="{00000000-1234-1234-1234-123412341234}" type="slidenum">
               <a:rPr lang="en"/>
-              <a:t>‹#›</a:t>
+              <a:t>‹Nr.›</a:t>
             </a:fld>
             <a:endParaRPr lang="en"/>
           </a:p>
@@ -2978,7 +2978,7 @@
             </a:pPr>
             <a:fld id="{00000000-1234-1234-1234-123412341234}" type="slidenum">
               <a:rPr lang="en"/>
-              <a:t>‹#›</a:t>
+              <a:t>‹Nr.›</a:t>
             </a:fld>
             <a:endParaRPr lang="en"/>
           </a:p>
@@ -3215,7 +3215,7 @@
             </a:pPr>
             <a:fld id="{00000000-1234-1234-1234-123412341234}" type="slidenum">
               <a:rPr lang="en"/>
-              <a:t>‹#›</a:t>
+              <a:t>‹Nr.›</a:t>
             </a:fld>
             <a:endParaRPr lang="en"/>
           </a:p>
@@ -3370,7 +3370,7 @@
             </a:pPr>
             <a:fld id="{00000000-1234-1234-1234-123412341234}" type="slidenum">
               <a:rPr lang="en"/>
-              <a:t>‹#›</a:t>
+              <a:t>‹Nr.›</a:t>
             </a:fld>
             <a:endParaRPr lang="en"/>
           </a:p>
@@ -3897,7 +3897,7 @@
                   <a:schemeClr val="lt1"/>
                 </a:solidFill>
               </a:rPr>
-              <a:t>‹#›</a:t>
+              <a:t>‹Nr.›</a:t>
             </a:fld>
             <a:endParaRPr lang="en">
               <a:solidFill>
@@ -4051,7 +4051,7 @@
             </a:pPr>
             <a:fld id="{00000000-1234-1234-1234-123412341234}" type="slidenum">
               <a:rPr lang="en"/>
-              <a:t>‹#›</a:t>
+              <a:t>‹Nr.›</a:t>
             </a:fld>
             <a:endParaRPr lang="en"/>
           </a:p>
@@ -4642,7 +4642,7 @@
                 <a:cs typeface="Roboto"/>
                 <a:sym typeface="Roboto"/>
               </a:rPr>
-              <a:t>‹#›</a:t>
+              <a:t>‹Nr.›</a:t>
             </a:fld>
             <a:endParaRPr lang="en" sz="900">
               <a:solidFill>
@@ -5166,19 +5166,31 @@
             </a:pPr>
             <a:r>
               <a:rPr lang="es-ES_tradnl" b="1" dirty="0" smtClean="0"/>
-              <a:t>Clase 4</a:t>
+              <a:t>Clase </a:t>
+            </a:r>
+            <a:r>
+              <a:rPr lang="es-ES_tradnl" b="1" dirty="0" smtClean="0"/>
+              <a:t>5</a:t>
             </a:r>
             <a:endParaRPr b="1" dirty="0"/>
           </a:p>
           <a:p>
             <a:pPr lvl="0"/>
             <a:r>
-              <a:rPr lang="en-US" b="1" dirty="0" err="1" smtClean="0"/>
-              <a:t>Regresión</a:t>
+              <a:rPr lang="en-US" b="1" dirty="0" err="1"/>
+              <a:t>I</a:t>
             </a:r>
             <a:r>
-              <a:rPr lang="en-US" b="1" dirty="0" smtClean="0"/>
-              <a:t> Lineal – Parte 2</a:t>
+              <a:rPr lang="en-US" b="1" dirty="0" err="1" smtClean="0"/>
+              <a:t>nvestigaci</a:t>
+            </a:r>
+            <a:r>
+              <a:rPr lang="en-US" b="1" dirty="0" err="1" smtClean="0"/>
+              <a:t>ón</a:t>
+            </a:r>
+            <a:r>
+              <a:rPr lang="en-US" b="1" smtClean="0"/>
+              <a:t> Reproducible</a:t>
             </a:r>
             <a:endParaRPr lang="en" b="1" dirty="0"/>
           </a:p>
@@ -5577,7 +5589,6 @@
               <a:rPr lang="en-US" sz="2400" dirty="0"/>
               <a:t>.</a:t>
             </a:r>
-            <a:endParaRPr lang="en-US" sz="2400" dirty="0"/>
           </a:p>
         </p:txBody>
       </p:sp>
